--- a/files/slides/lecture_21.pptx
+++ b/files/slides/lecture_21.pptx
@@ -6848,7 +6848,7 @@
                   <a:noFill/>
                 </a:ln>
                 <a:solidFill>
-                  <a:srgbClr val="FF0000"/>
+                  <a:srgbClr val="00B0F0"/>
                 </a:solidFill>
                 <a:effectLst/>
                 <a:uLnTx/>
@@ -6865,7 +6865,7 @@
                   <a:noFill/>
                 </a:ln>
                 <a:solidFill>
-                  <a:srgbClr val="FF0000"/>
+                  <a:srgbClr val="00B0F0"/>
                 </a:solidFill>
                 <a:effectLst/>
                 <a:uLnTx/>
@@ -7571,7 +7571,7 @@
                 <a:ea typeface="微软雅黑" panose="020B0503020204020204" charset="-122"/>
                 <a:cs typeface="微软雅黑" panose="020B0503020204020204" charset="-122"/>
               </a:rPr>
-              <a:t>票信不良问题、公司财务不良、担保品、综合评估</a:t>
+              <a:t>票信不良问题、公司财务不良、担保品、综合评估。</a:t>
             </a:r>
             <a:endParaRPr kumimoji="0" lang="zh-CN" altLang="en-US" sz="2000" b="0" i="0" u="none" strike="noStrike" kern="0" cap="none" spc="0" normalizeH="0" baseline="0" noProof="0" dirty="0">
               <a:ln>
@@ -8692,7 +8692,7 @@
                   <a:noFill/>
                 </a:ln>
                 <a:solidFill>
-                  <a:srgbClr val="FF0000"/>
+                  <a:srgbClr val="00B0F0"/>
                 </a:solidFill>
                 <a:effectLst/>
                 <a:uLnTx/>
@@ -8709,7 +8709,7 @@
                   <a:noFill/>
                 </a:ln>
                 <a:solidFill>
-                  <a:srgbClr val="FF0000"/>
+                  <a:srgbClr val="00B0F0"/>
                 </a:solidFill>
                 <a:effectLst/>
                 <a:uLnTx/>
@@ -9805,7 +9805,7 @@
                   <a:noFill/>
                 </a:ln>
                 <a:solidFill>
-                  <a:srgbClr val="FF0000"/>
+                  <a:srgbClr val="00B0F0"/>
                 </a:solidFill>
                 <a:effectLst/>
                 <a:uLnTx/>
@@ -9822,7 +9822,7 @@
                   <a:noFill/>
                 </a:ln>
                 <a:solidFill>
-                  <a:srgbClr val="FF0000"/>
+                  <a:srgbClr val="00B0F0"/>
                 </a:solidFill>
                 <a:effectLst/>
                 <a:uLnTx/>
@@ -9890,7 +9890,7 @@
                   <a:noFill/>
                 </a:ln>
                 <a:solidFill>
-                  <a:srgbClr val="FF0000"/>
+                  <a:srgbClr val="00B0F0"/>
                 </a:solidFill>
                 <a:effectLst/>
                 <a:uLnTx/>
@@ -10145,7 +10145,7 @@
                   <a:noFill/>
                 </a:ln>
                 <a:solidFill>
-                  <a:srgbClr val="FF0000"/>
+                  <a:srgbClr val="00B0F0"/>
                 </a:solidFill>
                 <a:effectLst/>
                 <a:uLnTx/>
@@ -10162,7 +10162,7 @@
                   <a:noFill/>
                 </a:ln>
                 <a:solidFill>
-                  <a:srgbClr val="FF0000"/>
+                  <a:srgbClr val="00B0F0"/>
                 </a:solidFill>
                 <a:effectLst/>
                 <a:uLnTx/>
@@ -10230,7 +10230,7 @@
                   <a:noFill/>
                 </a:ln>
                 <a:solidFill>
-                  <a:srgbClr val="FF0000"/>
+                  <a:srgbClr val="00B0F0"/>
                 </a:solidFill>
                 <a:effectLst/>
                 <a:uLnTx/>
@@ -11175,7 +11175,7 @@
                       <a:noFill/>
                     </a:ln>
                     <a:solidFill>
-                      <a:srgbClr val="FF0000"/>
+                      <a:srgbClr val="00B0F0"/>
                     </a:solidFill>
                     <a:effectLst/>
                     <a:uLnTx/>
@@ -11184,7 +11184,24 @@
                     <a:ea typeface="微软雅黑" panose="020B0503020204020204" charset="-122"/>
                     <a:cs typeface="微软雅黑" panose="020B0503020204020204" charset="-122"/>
                   </a:rPr>
-                  <a:t>最高债务承受额（</a:t>
+                  <a:t>最高债务承受额</a:t>
+                </a:r>
+                <a:r>
+                  <a:rPr kumimoji="0" lang="zh-CN" altLang="en-US" sz="2000" b="0" i="0" u="none" strike="noStrike" kern="0" cap="none" spc="0" normalizeH="0" baseline="0" noProof="0" dirty="0">
+                    <a:ln>
+                      <a:noFill/>
+                    </a:ln>
+                    <a:solidFill>
+                      <a:schemeClr val="tx1"/>
+                    </a:solidFill>
+                    <a:effectLst/>
+                    <a:uLnTx/>
+                    <a:uFillTx/>
+                    <a:latin typeface="微软雅黑" panose="020B0503020204020204" charset="-122"/>
+                    <a:ea typeface="微软雅黑" panose="020B0503020204020204" charset="-122"/>
+                    <a:cs typeface="微软雅黑" panose="020B0503020204020204" charset="-122"/>
+                  </a:rPr>
+                  <a:t>（</a:t>
                 </a:r>
                 <a:r>
                   <a:rPr kumimoji="0" lang="en-US" altLang="zh-CN" sz="2000" b="0" i="0" u="none" strike="noStrike" kern="0" cap="none" spc="0" normalizeH="0" baseline="0" noProof="0" dirty="0">
@@ -11192,7 +11209,7 @@
                       <a:noFill/>
                     </a:ln>
                     <a:solidFill>
-                      <a:srgbClr val="FF0000"/>
+                      <a:schemeClr val="tx1"/>
                     </a:solidFill>
                     <a:effectLst/>
                     <a:uLnTx/>
@@ -11209,7 +11226,7 @@
                       <a:noFill/>
                     </a:ln>
                     <a:solidFill>
-                      <a:srgbClr val="FF0000"/>
+                      <a:schemeClr val="tx1"/>
                     </a:solidFill>
                     <a:effectLst/>
                     <a:uLnTx/>
@@ -11218,7 +11235,24 @@
                     <a:ea typeface="微软雅黑" panose="020B0503020204020204" charset="-122"/>
                     <a:cs typeface="微软雅黑" panose="020B0503020204020204" charset="-122"/>
                   </a:rPr>
-                  <a:t>, MBC</a:t>
+                  <a:t>, </a:t>
+                </a:r>
+                <a:r>
+                  <a:rPr kumimoji="0" lang="en-US" altLang="en-US" sz="2000" b="0" i="0" u="none" strike="noStrike" kern="0" cap="none" spc="0" normalizeH="0" baseline="0" noProof="0" dirty="0">
+                    <a:ln>
+                      <a:noFill/>
+                    </a:ln>
+                    <a:solidFill>
+                      <a:srgbClr val="00B0F0"/>
+                    </a:solidFill>
+                    <a:effectLst/>
+                    <a:uLnTx/>
+                    <a:uFillTx/>
+                    <a:latin typeface="微软雅黑" panose="020B0503020204020204" charset="-122"/>
+                    <a:ea typeface="微软雅黑" panose="020B0503020204020204" charset="-122"/>
+                    <a:cs typeface="微软雅黑" panose="020B0503020204020204" charset="-122"/>
+                  </a:rPr>
+                  <a:t>MBC</a:t>
                 </a:r>
                 <a:r>
                   <a:rPr kumimoji="0" lang="zh-CN" altLang="en-US" sz="2000" b="0" i="0" u="none" strike="noStrike" kern="0" cap="none" spc="0" normalizeH="0" baseline="0" noProof="0" dirty="0">
@@ -11226,7 +11260,7 @@
                       <a:noFill/>
                     </a:ln>
                     <a:solidFill>
-                      <a:srgbClr val="FF0000"/>
+                      <a:schemeClr val="tx1"/>
                     </a:solidFill>
                     <a:effectLst/>
                     <a:uLnTx/>
@@ -11259,7 +11293,7 @@
                     <a:noFill/>
                   </a:ln>
                   <a:solidFill>
-                    <a:srgbClr val="000000"/>
+                    <a:schemeClr val="tx1"/>
                   </a:solidFill>
                   <a:effectLst/>
                   <a:uLnTx/>
@@ -11294,7 +11328,7 @@
                       <a:noFill/>
                     </a:ln>
                     <a:solidFill>
-                      <a:srgbClr val="000000"/>
+                      <a:schemeClr val="tx1"/>
                     </a:solidFill>
                     <a:effectLst/>
                     <a:uLnTx/>
@@ -11303,30 +11337,16 @@
                     <a:ea typeface="微软雅黑" panose="020B0503020204020204" charset="-122"/>
                     <a:cs typeface="微软雅黑" panose="020B0503020204020204" charset="-122"/>
                   </a:rPr>
-                  <a:t>其次，银行自身的</a:t>
-                </a:r>
-                <a:r>
-                  <a:rPr kumimoji="0" lang="zh-CN" altLang="en-US" sz="2000" b="0" i="0" u="none" strike="noStrike" kern="0" cap="none" spc="0" normalizeH="0" baseline="0" noProof="0" dirty="0">
-                    <a:ln>
-                      <a:noFill/>
-                    </a:ln>
-                    <a:solidFill>
-                      <a:srgbClr val="FF0000"/>
-                    </a:solidFill>
-                    <a:effectLst/>
-                    <a:uLnTx/>
-                    <a:uFillTx/>
-                    <a:latin typeface="微软雅黑" panose="020B0503020204020204" charset="-122"/>
-                    <a:ea typeface="微软雅黑" panose="020B0503020204020204" charset="-122"/>
-                    <a:cs typeface="微软雅黑" panose="020B0503020204020204" charset="-122"/>
-                  </a:rPr>
-                  <a:t>损失承受能力</a:t>
+                  <a:t>其次，银行自身的损失承受能力</a:t>
                 </a:r>
                 <a:r>
                   <a:rPr lang="zh-CN" altLang="en-US" sz="2000" kern="0" noProof="0" dirty="0">
                     <a:ln>
                       <a:noFill/>
                     </a:ln>
+                    <a:solidFill>
+                      <a:schemeClr val="tx1"/>
+                    </a:solidFill>
                     <a:effectLst/>
                     <a:uLnTx/>
                     <a:uFillTx/>
@@ -11343,7 +11363,7 @@
                       <a:noFill/>
                     </a:ln>
                     <a:solidFill>
-                      <a:srgbClr val="FF0000"/>
+                      <a:srgbClr val="00B0F0"/>
                     </a:solidFill>
                     <a:effectLst/>
                     <a:uLnTx/>
@@ -11353,7 +11373,25 @@
                     <a:cs typeface="微软雅黑" panose="020B0503020204020204" charset="-122"/>
                     <a:sym typeface="+mn-ea"/>
                   </a:rPr>
-                  <a:t>客户损失限额（</a:t>
+                  <a:t>客户损失限额</a:t>
+                </a:r>
+                <a:r>
+                  <a:rPr lang="zh-CN" altLang="en-US" sz="2000" kern="0" noProof="0" dirty="0">
+                    <a:ln>
+                      <a:noFill/>
+                    </a:ln>
+                    <a:solidFill>
+                      <a:schemeClr val="tx1"/>
+                    </a:solidFill>
+                    <a:effectLst/>
+                    <a:uLnTx/>
+                    <a:uFillTx/>
+                    <a:latin typeface="微软雅黑" panose="020B0503020204020204" charset="-122"/>
+                    <a:ea typeface="微软雅黑" panose="020B0503020204020204" charset="-122"/>
+                    <a:cs typeface="微软雅黑" panose="020B0503020204020204" charset="-122"/>
+                    <a:sym typeface="+mn-ea"/>
+                  </a:rPr>
+                  <a:t>（</a:t>
                 </a:r>
                 <a:r>
                   <a:rPr lang="en-US" altLang="zh-CN" sz="2000" kern="0" noProof="0" dirty="0">
@@ -11361,7 +11399,7 @@
                       <a:noFill/>
                     </a:ln>
                     <a:solidFill>
-                      <a:srgbClr val="FF0000"/>
+                      <a:schemeClr val="tx1"/>
                     </a:solidFill>
                     <a:effectLst/>
                     <a:uLnTx/>
@@ -11379,7 +11417,7 @@
                       <a:noFill/>
                     </a:ln>
                     <a:solidFill>
-                      <a:srgbClr val="FF0000"/>
+                      <a:schemeClr val="tx1"/>
                     </a:solidFill>
                     <a:effectLst/>
                     <a:uLnTx/>
@@ -11389,7 +11427,25 @@
                     <a:cs typeface="微软雅黑" panose="020B0503020204020204" charset="-122"/>
                     <a:sym typeface="+mn-ea"/>
                   </a:rPr>
-                  <a:t>, CMLQ</a:t>
+                  <a:t>, </a:t>
+                </a:r>
+                <a:r>
+                  <a:rPr lang="en-US" altLang="en-US" sz="2000" kern="0" noProof="0" dirty="0">
+                    <a:ln>
+                      <a:noFill/>
+                    </a:ln>
+                    <a:solidFill>
+                      <a:srgbClr val="00B0F0"/>
+                    </a:solidFill>
+                    <a:effectLst/>
+                    <a:uLnTx/>
+                    <a:uFillTx/>
+                    <a:latin typeface="微软雅黑" panose="020B0503020204020204" charset="-122"/>
+                    <a:ea typeface="微软雅黑" panose="020B0503020204020204" charset="-122"/>
+                    <a:cs typeface="微软雅黑" panose="020B0503020204020204" charset="-122"/>
+                    <a:sym typeface="+mn-ea"/>
+                  </a:rPr>
+                  <a:t>CMLQ</a:t>
                 </a:r>
                 <a:r>
                   <a:rPr lang="zh-CN" altLang="en-US" sz="2000" kern="0" noProof="0" dirty="0">
@@ -11397,7 +11453,7 @@
                       <a:noFill/>
                     </a:ln>
                     <a:solidFill>
-                      <a:srgbClr val="FF0000"/>
+                      <a:schemeClr val="tx1"/>
                     </a:solidFill>
                     <a:effectLst/>
                     <a:uLnTx/>
@@ -11414,6 +11470,9 @@
                     <a:ln>
                       <a:noFill/>
                     </a:ln>
+                    <a:solidFill>
+                      <a:schemeClr val="tx1"/>
+                    </a:solidFill>
                     <a:effectLst/>
                     <a:uLnTx/>
                     <a:uFillTx/>
@@ -11429,7 +11488,7 @@
                     <a:noFill/>
                   </a:ln>
                   <a:solidFill>
-                    <a:srgbClr val="000000"/>
+                    <a:schemeClr val="tx1"/>
                   </a:solidFill>
                   <a:effectLst/>
                   <a:uLnTx/>
@@ -11464,7 +11523,7 @@
                       <a:noFill/>
                     </a:ln>
                     <a:solidFill>
-                      <a:srgbClr val="000000"/>
+                      <a:schemeClr val="tx1"/>
                     </a:solidFill>
                     <a:effectLst/>
                     <a:uLnTx/>
@@ -11473,48 +11532,14 @@
                     <a:ea typeface="微软雅黑" panose="020B0503020204020204" charset="-122"/>
                     <a:cs typeface="微软雅黑" panose="020B0503020204020204" charset="-122"/>
                   </a:rPr>
-                  <a:t>最后，银行</a:t>
-                </a:r>
-                <a:r>
-                  <a:rPr kumimoji="0" lang="zh-CN" altLang="en-US" sz="2000" b="0" i="0" u="none" strike="noStrike" kern="0" cap="none" spc="0" normalizeH="0" baseline="0" noProof="0" dirty="0">
-                    <a:ln>
-                      <a:noFill/>
-                    </a:ln>
-                    <a:solidFill>
-                      <a:srgbClr val="FF0000"/>
-                    </a:solidFill>
-                    <a:effectLst/>
-                    <a:uLnTx/>
-                    <a:uFillTx/>
-                    <a:latin typeface="微软雅黑" panose="020B0503020204020204" charset="-122"/>
-                    <a:ea typeface="微软雅黑" panose="020B0503020204020204" charset="-122"/>
-                    <a:cs typeface="微软雅黑" panose="020B0503020204020204" charset="-122"/>
-                  </a:rPr>
-                  <a:t>主观上是否愿意</a:t>
-                </a:r>
-                <a:r>
-                  <a:rPr kumimoji="0" lang="zh-CN" altLang="en-US" sz="2000" b="0" i="0" u="none" strike="noStrike" kern="0" cap="none" spc="0" normalizeH="0" baseline="0" noProof="0" dirty="0">
-                    <a:ln>
-                      <a:noFill/>
-                    </a:ln>
-                    <a:solidFill>
-                      <a:srgbClr val="000000"/>
-                    </a:solidFill>
-                    <a:effectLst/>
-                    <a:uLnTx/>
-                    <a:uFillTx/>
-                    <a:latin typeface="微软雅黑" panose="020B0503020204020204" charset="-122"/>
-                    <a:ea typeface="微软雅黑" panose="020B0503020204020204" charset="-122"/>
-                    <a:cs typeface="微软雅黑" panose="020B0503020204020204" charset="-122"/>
-                  </a:rPr>
-                  <a:t>向客户提供授信业务。</a:t>
+                  <a:t>最后，银行主观上是否愿意向客户提供授信业务。</a:t>
                 </a:r>
                 <a:endParaRPr kumimoji="0" lang="en-US" altLang="zh-CN" sz="2000" b="0" i="0" u="none" strike="noStrike" kern="0" cap="none" spc="0" normalizeH="0" baseline="0" noProof="0" dirty="0">
                   <a:ln>
                     <a:noFill/>
                   </a:ln>
                   <a:solidFill>
-                    <a:srgbClr val="000000"/>
+                    <a:schemeClr val="tx1"/>
                   </a:solidFill>
                   <a:effectLst/>
                   <a:uLnTx/>
@@ -11549,7 +11574,7 @@
                       <a:noFill/>
                     </a:ln>
                     <a:solidFill>
-                      <a:srgbClr val="000000"/>
+                      <a:schemeClr val="tx1"/>
                     </a:solidFill>
                     <a:effectLst/>
                     <a:uLnTx/>
@@ -11565,7 +11590,7 @@
                     <a:noFill/>
                   </a:ln>
                   <a:solidFill>
-                    <a:srgbClr val="000000"/>
+                    <a:schemeClr val="tx1"/>
                   </a:solidFill>
                   <a:effectLst/>
                   <a:uLnTx/>
@@ -11600,7 +11625,7 @@
                       <a:noFill/>
                     </a:ln>
                     <a:solidFill>
-                      <a:srgbClr val="FF0000"/>
+                      <a:schemeClr val="tx1"/>
                     </a:solidFill>
                     <a:effectLst/>
                     <a:uLnTx/>
@@ -11617,7 +11642,7 @@
                       <a:noFill/>
                     </a:ln>
                     <a:solidFill>
-                      <a:srgbClr val="FF0000"/>
+                      <a:schemeClr val="tx1"/>
                     </a:solidFill>
                     <a:effectLst/>
                     <a:uLnTx/>
@@ -11634,7 +11659,7 @@
                       <a:noFill/>
                     </a:ln>
                     <a:solidFill>
-                      <a:srgbClr val="FF0000"/>
+                      <a:schemeClr val="tx1"/>
                     </a:solidFill>
                     <a:effectLst/>
                     <a:uLnTx/>
@@ -11651,7 +11676,7 @@
                       <a:noFill/>
                     </a:ln>
                     <a:solidFill>
-                      <a:srgbClr val="FF0000"/>
+                      <a:schemeClr val="tx1"/>
                     </a:solidFill>
                     <a:effectLst/>
                     <a:uLnTx/>
@@ -11660,31 +11685,14 @@
                     <a:ea typeface="微软雅黑" panose="020B0503020204020204" charset="-122"/>
                     <a:cs typeface="微软雅黑" panose="020B0503020204020204" charset="-122"/>
                   </a:rPr>
-                  <a:t>）</a:t>
-                </a:r>
-                <a:r>
-                  <a:rPr kumimoji="0" lang="zh-CN" altLang="en-US" sz="2000" i="0" u="none" strike="noStrike" kern="0" cap="none" spc="0" normalizeH="0" baseline="0" noProof="0" dirty="0">
-                    <a:ln>
-                      <a:noFill/>
-                    </a:ln>
-                    <a:solidFill>
-                      <a:srgbClr val="000000"/>
-                    </a:solidFill>
-                    <a:effectLst/>
-                    <a:uLnTx/>
-                    <a:uFillTx/>
-                    <a:latin typeface="微软雅黑" panose="020B0503020204020204" charset="-122"/>
-                    <a:ea typeface="微软雅黑" panose="020B0503020204020204" charset="-122"/>
-                    <a:cs typeface="微软雅黑" panose="020B0503020204020204" charset="-122"/>
-                  </a:rPr>
-                  <a:t>计算方法如下：</a:t>
+                  <a:t>）计算方法如下：</a:t>
                 </a:r>
                 <a:endParaRPr kumimoji="0" lang="en-US" altLang="zh-CN" sz="2400" b="1" i="0" u="none" strike="noStrike" kern="0" cap="none" spc="0" normalizeH="0" baseline="0" noProof="0" dirty="0">
                   <a:ln>
                     <a:noFill/>
                   </a:ln>
                   <a:solidFill>
-                    <a:srgbClr val="000000"/>
+                    <a:schemeClr val="tx1"/>
                   </a:solidFill>
                   <a:effectLst/>
                   <a:uLnTx/>
@@ -11719,7 +11727,7 @@
                       <a:noFill/>
                     </a:ln>
                     <a:solidFill>
-                      <a:srgbClr val="000000"/>
+                      <a:schemeClr val="tx1"/>
                     </a:solidFill>
                     <a:effectLst/>
                     <a:uLnTx/>
@@ -11736,7 +11744,7 @@
                       <a:noFill/>
                     </a:ln>
                     <a:solidFill>
-                      <a:srgbClr val="000000"/>
+                      <a:schemeClr val="tx1"/>
                     </a:solidFill>
                     <a:effectLst/>
                     <a:uLnTx/>
@@ -11753,7 +11761,7 @@
                       <a:noFill/>
                     </a:ln>
                     <a:solidFill>
-                      <a:srgbClr val="000000"/>
+                      <a:schemeClr val="tx1"/>
                     </a:solidFill>
                     <a:effectLst/>
                     <a:uLnTx/>
@@ -11770,7 +11778,7 @@
                       <a:noFill/>
                     </a:ln>
                     <a:solidFill>
-                      <a:srgbClr val="000000"/>
+                      <a:schemeClr val="tx1"/>
                     </a:solidFill>
                     <a:effectLst/>
                     <a:uLnTx/>
@@ -11787,7 +11795,7 @@
                       <a:noFill/>
                     </a:ln>
                     <a:solidFill>
-                      <a:srgbClr val="000000"/>
+                      <a:schemeClr val="tx1"/>
                     </a:solidFill>
                     <a:effectLst/>
                     <a:uLnTx/>
@@ -11804,7 +11812,7 @@
                       <a:noFill/>
                     </a:ln>
                     <a:solidFill>
-                      <a:srgbClr val="000000"/>
+                      <a:schemeClr val="tx1"/>
                     </a:solidFill>
                     <a:effectLst/>
                     <a:uLnTx/>
@@ -11821,7 +11829,7 @@
                       <a:noFill/>
                     </a:ln>
                     <a:solidFill>
-                      <a:srgbClr val="000000"/>
+                      <a:schemeClr val="tx1"/>
                     </a:solidFill>
                     <a:effectLst/>
                     <a:uLnTx/>
@@ -11838,7 +11846,7 @@
                       <a:noFill/>
                     </a:ln>
                     <a:solidFill>
-                      <a:srgbClr val="000000"/>
+                      <a:schemeClr val="tx1"/>
                     </a:solidFill>
                     <a:effectLst/>
                     <a:uLnTx/>
@@ -11855,7 +11863,7 @@
                       <a:noFill/>
                     </a:ln>
                     <a:solidFill>
-                      <a:srgbClr val="000000"/>
+                      <a:schemeClr val="tx1"/>
                     </a:solidFill>
                     <a:effectLst/>
                     <a:uLnTx/>
@@ -11872,7 +11880,7 @@
                       <a:noFill/>
                     </a:ln>
                     <a:solidFill>
-                      <a:srgbClr val="000000"/>
+                      <a:schemeClr val="tx1"/>
                     </a:solidFill>
                     <a:effectLst/>
                     <a:uLnTx/>
@@ -11889,7 +11897,7 @@
                       <a:noFill/>
                     </a:ln>
                     <a:solidFill>
-                      <a:srgbClr val="000000"/>
+                      <a:schemeClr val="tx1"/>
                     </a:solidFill>
                     <a:effectLst/>
                     <a:uLnTx/>
@@ -11905,7 +11913,7 @@
                     <a:noFill/>
                   </a:ln>
                   <a:solidFill>
-                    <a:srgbClr val="000000"/>
+                    <a:schemeClr val="tx1"/>
                   </a:solidFill>
                   <a:effectLst/>
                   <a:uLnTx/>
@@ -11940,7 +11948,7 @@
                       <a:noFill/>
                     </a:ln>
                     <a:solidFill>
-                      <a:srgbClr val="000000"/>
+                      <a:schemeClr val="tx1"/>
                     </a:solidFill>
                     <a:effectLst/>
                     <a:uLnTx/>
@@ -11957,7 +11965,7 @@
                       <a:noFill/>
                     </a:ln>
                     <a:solidFill>
-                      <a:srgbClr val="000000"/>
+                      <a:schemeClr val="tx1"/>
                     </a:solidFill>
                     <a:effectLst/>
                     <a:uLnTx/>
@@ -11974,7 +11982,7 @@
                       <a:noFill/>
                     </a:ln>
                     <a:solidFill>
-                      <a:srgbClr val="000000"/>
+                      <a:schemeClr val="tx1"/>
                     </a:solidFill>
                     <a:effectLst/>
                     <a:uLnTx/>
@@ -11991,7 +11999,7 @@
                       <a:noFill/>
                     </a:ln>
                     <a:solidFill>
-                      <a:srgbClr val="000000"/>
+                      <a:schemeClr val="tx1"/>
                     </a:solidFill>
                     <a:effectLst/>
                     <a:uLnTx/>
@@ -12008,7 +12016,7 @@
                       <a:noFill/>
                     </a:ln>
                     <a:solidFill>
-                      <a:srgbClr val="000000"/>
+                      <a:schemeClr val="tx1"/>
                     </a:solidFill>
                     <a:effectLst/>
                     <a:uLnTx/>
@@ -12025,7 +12033,7 @@
                       <a:noFill/>
                     </a:ln>
                     <a:solidFill>
-                      <a:srgbClr val="000000"/>
+                      <a:schemeClr val="tx1"/>
                     </a:solidFill>
                     <a:effectLst/>
                     <a:uLnTx/>
@@ -12042,7 +12050,7 @@
                       <a:noFill/>
                     </a:ln>
                     <a:solidFill>
-                      <a:srgbClr val="000000"/>
+                      <a:schemeClr val="tx1"/>
                     </a:solidFill>
                     <a:effectLst/>
                     <a:uLnTx/>
@@ -12059,7 +12067,7 @@
                       <a:noFill/>
                     </a:ln>
                     <a:solidFill>
-                      <a:srgbClr val="000000"/>
+                      <a:schemeClr val="tx1"/>
                     </a:solidFill>
                     <a:effectLst/>
                     <a:uLnTx/>
@@ -12076,7 +12084,7 @@
                       <a:noFill/>
                     </a:ln>
                     <a:solidFill>
-                      <a:srgbClr val="000000"/>
+                      <a:schemeClr val="tx1"/>
                     </a:solidFill>
                     <a:effectLst/>
                     <a:uLnTx/>
@@ -12093,7 +12101,7 @@
                       <a:noFill/>
                     </a:ln>
                     <a:solidFill>
-                      <a:srgbClr val="000000"/>
+                      <a:schemeClr val="tx1"/>
                     </a:solidFill>
                     <a:effectLst/>
                     <a:uLnTx/>
@@ -12110,7 +12118,7 @@
                       <a:noFill/>
                     </a:ln>
                     <a:solidFill>
-                      <a:srgbClr val="000000"/>
+                      <a:schemeClr val="tx1"/>
                     </a:solidFill>
                     <a:effectLst/>
                     <a:uLnTx/>
@@ -12126,7 +12134,7 @@
                     <a:noFill/>
                   </a:ln>
                   <a:solidFill>
-                    <a:srgbClr val="000000"/>
+                    <a:schemeClr val="tx1"/>
                   </a:solidFill>
                   <a:effectLst/>
                   <a:uLnTx/>
@@ -12161,7 +12169,7 @@
                       <a:noFill/>
                     </a:ln>
                     <a:solidFill>
-                      <a:srgbClr val="000000"/>
+                      <a:schemeClr val="tx1"/>
                     </a:solidFill>
                     <a:effectLst/>
                     <a:uLnTx/>
@@ -12178,7 +12186,7 @@
                       <a:noFill/>
                     </a:ln>
                     <a:solidFill>
-                      <a:srgbClr val="000000"/>
+                      <a:schemeClr val="tx1"/>
                     </a:solidFill>
                     <a:effectLst/>
                     <a:uLnTx/>
@@ -12195,7 +12203,7 @@
                       <a:noFill/>
                     </a:ln>
                     <a:solidFill>
-                      <a:srgbClr val="000000"/>
+                      <a:schemeClr val="tx1"/>
                     </a:solidFill>
                     <a:effectLst/>
                     <a:uLnTx/>
@@ -12214,7 +12222,7 @@
                           <a:noFill/>
                         </a:ln>
                         <a:solidFill>
-                          <a:srgbClr val="000000"/>
+                          <a:schemeClr val="tx1"/>
                         </a:solidFill>
                         <a:effectLst/>
                         <a:uLnTx/>
@@ -12231,7 +12239,7 @@
                           <a:noFill/>
                         </a:ln>
                         <a:solidFill>
-                          <a:srgbClr val="000000"/>
+                          <a:schemeClr val="tx1"/>
                         </a:solidFill>
                         <a:effectLst/>
                         <a:uLnTx/>
@@ -12248,7 +12256,7 @@
                           <a:noFill/>
                         </a:ln>
                         <a:solidFill>
-                          <a:srgbClr val="000000"/>
+                          <a:schemeClr val="tx1"/>
                         </a:solidFill>
                         <a:effectLst/>
                         <a:uLnTx/>
@@ -12267,7 +12275,7 @@
                       <a:noFill/>
                     </a:ln>
                     <a:solidFill>
-                      <a:srgbClr val="000000"/>
+                      <a:schemeClr val="tx1"/>
                     </a:solidFill>
                     <a:effectLst/>
                     <a:uLnTx/>
@@ -12283,7 +12291,7 @@
                     <a:noFill/>
                   </a:ln>
                   <a:solidFill>
-                    <a:srgbClr val="000000"/>
+                    <a:schemeClr val="tx1"/>
                   </a:solidFill>
                   <a:effectLst/>
                   <a:uLnTx/>
@@ -15051,7 +15059,7 @@
               <a:defRPr/>
             </a:pPr>
             <a:r>
-              <a:rPr kumimoji="0" lang="zh-CN" altLang="en-US" sz="2400" i="0" u="none" strike="noStrike" kern="1200" cap="none" spc="0" normalizeH="0" baseline="0" noProof="0" dirty="0">
+              <a:rPr kumimoji="0" lang="zh-CN" altLang="en-US" sz="2400" b="1" i="0" u="none" strike="noStrike" kern="1200" cap="none" spc="0" normalizeH="0" baseline="0" noProof="0" dirty="0">
                 <a:ln>
                   <a:noFill/>
                 </a:ln>
@@ -15067,7 +15075,7 @@
               </a:rPr>
               <a:t>掌握银行信用产品的业务流程</a:t>
             </a:r>
-            <a:endParaRPr kumimoji="0" lang="zh-CN" altLang="en-US" sz="2400" i="0" u="none" strike="noStrike" kern="1200" cap="none" spc="0" normalizeH="0" baseline="0" noProof="0" dirty="0">
+            <a:endParaRPr kumimoji="0" lang="zh-CN" altLang="en-US" sz="2400" b="1" i="0" u="none" strike="noStrike" kern="1200" cap="none" spc="0" normalizeH="0" baseline="0" noProof="0" dirty="0">
               <a:ln>
                 <a:noFill/>
               </a:ln>
@@ -21352,7 +21360,7 @@
                   <a:noFill/>
                 </a:ln>
                 <a:solidFill>
-                  <a:srgbClr val="FF0000"/>
+                  <a:srgbClr val="00B0F0"/>
                 </a:solidFill>
                 <a:effectLst/>
                 <a:uLnTx/>
@@ -21403,7 +21411,7 @@
                   <a:noFill/>
                 </a:ln>
                 <a:solidFill>
-                  <a:srgbClr val="FF0000"/>
+                  <a:srgbClr val="00B0F0"/>
                 </a:solidFill>
                 <a:effectLst/>
                 <a:uLnTx/>
@@ -21437,7 +21445,7 @@
                   <a:noFill/>
                 </a:ln>
                 <a:solidFill>
-                  <a:srgbClr val="FF0000"/>
+                  <a:srgbClr val="00B0F0"/>
                 </a:solidFill>
                 <a:effectLst/>
                 <a:uLnTx/>
@@ -28863,7 +28871,7 @@
           <p:spPr bwMode="auto">
             <a:xfrm>
               <a:off x="1790700" y="2428875"/>
-              <a:ext cx="661988" cy="434948"/>
+              <a:ext cx="661988" cy="606425"/>
             </a:xfrm>
             <a:prstGeom prst="rect">
               <a:avLst/>
@@ -29037,7 +29045,7 @@
                   <a:ea typeface="微软雅黑" panose="020B0503020204020204" charset="-122"/>
                   <a:cs typeface="+mn-cs"/>
                 </a:rPr>
-                <a:t>统一原则</a:t>
+                <a:t>统一管理原则</a:t>
               </a:r>
               <a:endParaRPr kumimoji="0" lang="zh-CN" altLang="en-US" sz="1400" b="1" i="0" u="none" strike="noStrike" kern="1200" cap="none" spc="0" normalizeH="0" baseline="0" noProof="0" dirty="0">
                 <a:ln>
@@ -29067,7 +29075,7 @@
           <p:spPr bwMode="auto">
             <a:xfrm>
               <a:off x="3721100" y="2928937"/>
-              <a:ext cx="798513" cy="434948"/>
+              <a:ext cx="798513" cy="606425"/>
             </a:xfrm>
             <a:prstGeom prst="rect">
               <a:avLst/>
@@ -29241,7 +29249,7 @@
                   <a:ea typeface="微软雅黑" panose="020B0503020204020204" charset="-122"/>
                   <a:cs typeface="+mn-cs"/>
                 </a:rPr>
-                <a:t>差别化原则</a:t>
+                <a:t>差别化额度原则</a:t>
               </a:r>
               <a:endParaRPr kumimoji="0" lang="zh-CN" altLang="en-US" sz="1400" b="1" i="0" u="none" strike="noStrike" kern="1200" cap="none" spc="0" normalizeH="0" baseline="0" noProof="0" dirty="0">
                 <a:ln>
@@ -31574,7 +31582,7 @@
                   <a:noFill/>
                 </a:ln>
                 <a:solidFill>
-                  <a:srgbClr val="FF0000"/>
+                  <a:srgbClr val="00B0F0"/>
                 </a:solidFill>
                 <a:effectLst/>
                 <a:uLnTx/>
@@ -31676,7 +31684,7 @@
                   <a:noFill/>
                 </a:ln>
                 <a:solidFill>
-                  <a:srgbClr val="FF0000"/>
+                  <a:srgbClr val="00B0F0"/>
                 </a:solidFill>
                 <a:effectLst/>
                 <a:uLnTx/>
@@ -31897,7 +31905,7 @@
                   <a:noFill/>
                 </a:ln>
                 <a:solidFill>
-                  <a:srgbClr val="FF0000"/>
+                  <a:srgbClr val="00B0F0"/>
                 </a:solidFill>
                 <a:effectLst/>
                 <a:uLnTx/>
@@ -31931,7 +31939,7 @@
                   <a:noFill/>
                 </a:ln>
                 <a:solidFill>
-                  <a:srgbClr val="FF0000"/>
+                  <a:srgbClr val="00B0F0"/>
                 </a:solidFill>
                 <a:effectLst/>
                 <a:uLnTx/>
@@ -35347,7 +35355,7 @@
             <a:r>
               <a:rPr lang="zh-CN" altLang="en-US" b="1">
                 <a:solidFill>
-                  <a:srgbClr val="FF0000"/>
+                  <a:srgbClr val="00B0F0"/>
                 </a:solidFill>
                 <a:latin typeface="微软雅黑" panose="020B0503020204020204" charset="-122"/>
                 <a:ea typeface="微软雅黑" panose="020B0503020204020204" charset="-122"/>
@@ -35364,7 +35372,7 @@
             <a:r>
               <a:rPr lang="zh-CN" altLang="en-US">
                 <a:solidFill>
-                  <a:srgbClr val="FF0000"/>
+                  <a:srgbClr val="00B0F0"/>
                 </a:solidFill>
                 <a:latin typeface="微软雅黑" panose="020B0503020204020204" charset="-122"/>
                 <a:ea typeface="微软雅黑" panose="020B0503020204020204" charset="-122"/>
@@ -35381,7 +35389,7 @@
             <a:r>
               <a:rPr lang="zh-CN" altLang="en-US">
                 <a:solidFill>
-                  <a:srgbClr val="FF0000"/>
+                  <a:srgbClr val="00B0F0"/>
                 </a:solidFill>
                 <a:latin typeface="微软雅黑" panose="020B0503020204020204" charset="-122"/>
                 <a:ea typeface="微软雅黑" panose="020B0503020204020204" charset="-122"/>
@@ -36084,7 +36092,7 @@
                   <a:noFill/>
                 </a:ln>
                 <a:solidFill>
-                  <a:srgbClr val="FF0000"/>
+                  <a:schemeClr val="tx1"/>
                 </a:solidFill>
                 <a:effectLst/>
                 <a:uLnTx/>
@@ -36100,7 +36108,7 @@
                 <a:noFill/>
               </a:ln>
               <a:solidFill>
-                <a:srgbClr val="FF0000"/>
+                <a:schemeClr val="tx1"/>
               </a:solidFill>
               <a:effectLst/>
               <a:uLnTx/>
@@ -36135,7 +36143,7 @@
                   <a:noFill/>
                 </a:ln>
                 <a:solidFill>
-                  <a:srgbClr val="0000FF"/>
+                  <a:schemeClr val="tx1"/>
                 </a:solidFill>
                 <a:effectLst/>
                 <a:uLnTx/>
@@ -36152,7 +36160,7 @@
                   <a:noFill/>
                 </a:ln>
                 <a:solidFill>
-                  <a:srgbClr val="0000FF"/>
+                  <a:schemeClr val="tx1"/>
                 </a:solidFill>
                 <a:effectLst/>
                 <a:uLnTx/>
@@ -36161,7 +36169,7 @@
                 <a:ea typeface="微软雅黑" panose="020B0503020204020204" charset="-122"/>
                 <a:cs typeface="微软雅黑" panose="020B0503020204020204" charset="-122"/>
               </a:rPr>
-              <a:t>:2000</a:t>
+              <a:t>: 2000</a:t>
             </a:r>
             <a:r>
               <a:rPr kumimoji="0" lang="zh-CN" altLang="zh-CN" sz="2000" b="0" i="0" u="none" strike="noStrike" kern="0" cap="none" spc="0" normalizeH="0" baseline="0" noProof="0" dirty="0">
@@ -36169,7 +36177,7 @@
                   <a:noFill/>
                 </a:ln>
                 <a:solidFill>
-                  <a:srgbClr val="0000FF"/>
+                  <a:schemeClr val="tx1"/>
                 </a:solidFill>
                 <a:effectLst/>
                 <a:uLnTx/>
@@ -36178,41 +36186,7 @@
                 <a:ea typeface="微软雅黑" panose="020B0503020204020204" charset="-122"/>
                 <a:cs typeface="微软雅黑" panose="020B0503020204020204" charset="-122"/>
               </a:rPr>
-              <a:t>年蓝田股份</a:t>
-            </a:r>
-            <a:r>
-              <a:rPr kumimoji="0" lang="zh-CN" altLang="zh-CN" sz="2000" b="0" i="0" u="none" strike="noStrike" kern="0" cap="none" spc="0" normalizeH="0" baseline="0" noProof="0" dirty="0">
-                <a:ln>
-                  <a:noFill/>
-                </a:ln>
-                <a:solidFill>
-                  <a:srgbClr val="FF0000"/>
-                </a:solidFill>
-                <a:effectLst/>
-                <a:uLnTx/>
-                <a:uFillTx/>
-                <a:latin typeface="微软雅黑" panose="020B0503020204020204" charset="-122"/>
-                <a:ea typeface="微软雅黑" panose="020B0503020204020204" charset="-122"/>
-                <a:cs typeface="微软雅黑" panose="020B0503020204020204" charset="-122"/>
-              </a:rPr>
-              <a:t>水产品收入</a:t>
-            </a:r>
-            <a:r>
-              <a:rPr kumimoji="0" lang="zh-CN" altLang="zh-CN" sz="2000" b="0" i="0" u="none" strike="noStrike" kern="0" cap="none" spc="0" normalizeH="0" baseline="0" noProof="0" dirty="0">
-                <a:ln>
-                  <a:noFill/>
-                </a:ln>
-                <a:solidFill>
-                  <a:srgbClr val="0000FF"/>
-                </a:solidFill>
-                <a:effectLst/>
-                <a:uLnTx/>
-                <a:uFillTx/>
-                <a:latin typeface="微软雅黑" panose="020B0503020204020204" charset="-122"/>
-                <a:ea typeface="微软雅黑" panose="020B0503020204020204" charset="-122"/>
-                <a:cs typeface="微软雅黑" panose="020B0503020204020204" charset="-122"/>
-              </a:rPr>
-              <a:t>位于上市公司同业最高水平</a:t>
+              <a:t>年蓝田股份水产品收入位于上市公司同业最高水平</a:t>
             </a:r>
             <a:r>
               <a:rPr kumimoji="0" lang="en-US" altLang="zh-CN" sz="2000" b="0" i="0" u="none" strike="noStrike" kern="0" cap="none" spc="0" normalizeH="0" baseline="0" noProof="0" dirty="0">
@@ -36220,7 +36194,7 @@
                   <a:noFill/>
                 </a:ln>
                 <a:solidFill>
-                  <a:srgbClr val="0000FF"/>
+                  <a:schemeClr val="tx1"/>
                 </a:solidFill>
                 <a:effectLst/>
                 <a:uLnTx/>
@@ -36237,7 +36211,7 @@
                   <a:noFill/>
                 </a:ln>
                 <a:solidFill>
-                  <a:srgbClr val="FF0000"/>
+                  <a:schemeClr val="tx1"/>
                 </a:solidFill>
                 <a:effectLst/>
                 <a:uLnTx/>
@@ -36254,7 +36228,7 @@
                   <a:noFill/>
                 </a:ln>
                 <a:solidFill>
-                  <a:srgbClr val="FF0000"/>
+                  <a:schemeClr val="tx1"/>
                 </a:solidFill>
                 <a:effectLst/>
                 <a:uLnTx/>
@@ -36271,7 +36245,7 @@
                   <a:noFill/>
                 </a:ln>
                 <a:solidFill>
-                  <a:srgbClr val="FF0000"/>
+                  <a:schemeClr val="tx1"/>
                 </a:solidFill>
                 <a:effectLst/>
                 <a:uLnTx/>
@@ -36288,7 +36262,7 @@
                   <a:noFill/>
                 </a:ln>
                 <a:solidFill>
-                  <a:srgbClr val="0000FF"/>
+                  <a:schemeClr val="tx1"/>
                 </a:solidFill>
                 <a:effectLst/>
                 <a:uLnTx/>
@@ -36305,7 +36279,7 @@
                   <a:noFill/>
                 </a:ln>
                 <a:solidFill>
-                  <a:srgbClr val="0000FF"/>
+                  <a:schemeClr val="tx1"/>
                 </a:solidFill>
                 <a:effectLst/>
                 <a:uLnTx/>
@@ -36314,24 +36288,7 @@
                 <a:ea typeface="微软雅黑" panose="020B0503020204020204" charset="-122"/>
                 <a:cs typeface="微软雅黑" panose="020B0503020204020204" charset="-122"/>
               </a:rPr>
-              <a:t>但</a:t>
-            </a:r>
-            <a:r>
-              <a:rPr kumimoji="0" lang="zh-CN" altLang="zh-CN" sz="2000" b="0" i="0" u="none" strike="noStrike" kern="0" cap="none" spc="0" normalizeH="0" baseline="0" noProof="0" dirty="0">
-                <a:ln>
-                  <a:noFill/>
-                </a:ln>
-                <a:solidFill>
-                  <a:srgbClr val="FF0000"/>
-                </a:solidFill>
-                <a:effectLst/>
-                <a:uLnTx/>
-                <a:uFillTx/>
-                <a:latin typeface="微软雅黑" panose="020B0503020204020204" charset="-122"/>
-                <a:ea typeface="微软雅黑" panose="020B0503020204020204" charset="-122"/>
-                <a:cs typeface="微软雅黑" panose="020B0503020204020204" charset="-122"/>
-              </a:rPr>
-              <a:t>应收账款回收期低于同业平均值</a:t>
+              <a:t>但应收账款回收期低于同业平均值</a:t>
             </a:r>
             <a:r>
               <a:rPr kumimoji="0" lang="en-US" altLang="zh-CN" sz="2000" b="0" i="0" u="none" strike="noStrike" kern="0" cap="none" spc="0" normalizeH="0" baseline="0" noProof="0" dirty="0">
@@ -36339,7 +36296,7 @@
                   <a:noFill/>
                 </a:ln>
                 <a:solidFill>
-                  <a:srgbClr val="FF0000"/>
+                  <a:schemeClr val="tx1"/>
                 </a:solidFill>
                 <a:effectLst/>
                 <a:uLnTx/>
@@ -36356,7 +36313,7 @@
                   <a:noFill/>
                 </a:ln>
                 <a:solidFill>
-                  <a:srgbClr val="FF0000"/>
+                  <a:schemeClr val="tx1"/>
                 </a:solidFill>
                 <a:effectLst/>
                 <a:uLnTx/>
@@ -36373,7 +36330,7 @@
                   <a:noFill/>
                 </a:ln>
                 <a:solidFill>
-                  <a:srgbClr val="0000FF"/>
+                  <a:schemeClr val="tx1"/>
                 </a:solidFill>
                 <a:effectLst/>
                 <a:uLnTx/>
@@ -36390,7 +36347,7 @@
                   <a:noFill/>
                 </a:ln>
                 <a:solidFill>
-                  <a:srgbClr val="0000FF"/>
+                  <a:schemeClr val="tx1"/>
                 </a:solidFill>
                 <a:effectLst/>
                 <a:uLnTx/>
@@ -36407,7 +36364,7 @@
                   <a:noFill/>
                 </a:ln>
                 <a:solidFill>
-                  <a:srgbClr val="0000FF"/>
+                  <a:schemeClr val="tx1"/>
                 </a:solidFill>
                 <a:effectLst/>
                 <a:uLnTx/>
@@ -36424,7 +36381,7 @@
                   <a:noFill/>
                 </a:ln>
                 <a:solidFill>
-                  <a:srgbClr val="0000FF"/>
+                  <a:schemeClr val="tx1"/>
                 </a:solidFill>
                 <a:effectLst/>
                 <a:uLnTx/>
@@ -36441,7 +36398,7 @@
                   <a:noFill/>
                 </a:ln>
                 <a:solidFill>
-                  <a:srgbClr val="0000FF"/>
+                  <a:schemeClr val="tx1"/>
                 </a:solidFill>
                 <a:effectLst/>
                 <a:uLnTx/>
@@ -36458,7 +36415,7 @@
                   <a:noFill/>
                 </a:ln>
                 <a:solidFill>
-                  <a:srgbClr val="0000FF"/>
+                  <a:schemeClr val="tx1"/>
                 </a:solidFill>
                 <a:effectLst/>
                 <a:uLnTx/>
@@ -36475,7 +36432,7 @@
                   <a:noFill/>
                 </a:ln>
                 <a:solidFill>
-                  <a:srgbClr val="0000FF"/>
+                  <a:schemeClr val="tx1"/>
                 </a:solidFill>
                 <a:effectLst/>
                 <a:uLnTx/>
@@ -36492,7 +36449,7 @@
                   <a:noFill/>
                 </a:ln>
                 <a:solidFill>
-                  <a:srgbClr val="0000FF"/>
+                  <a:schemeClr val="tx1"/>
                 </a:solidFill>
                 <a:effectLst/>
                 <a:uLnTx/>
@@ -36509,7 +36466,7 @@
                   <a:noFill/>
                 </a:ln>
                 <a:solidFill>
-                  <a:srgbClr val="0000FF"/>
+                  <a:schemeClr val="tx1"/>
                 </a:solidFill>
                 <a:effectLst/>
                 <a:uLnTx/>
@@ -36526,7 +36483,7 @@
                   <a:noFill/>
                 </a:ln>
                 <a:solidFill>
-                  <a:srgbClr val="0000FF"/>
+                  <a:schemeClr val="tx1"/>
                 </a:solidFill>
                 <a:effectLst/>
                 <a:uLnTx/>
@@ -36542,7 +36499,7 @@
                 <a:noFill/>
               </a:ln>
               <a:solidFill>
-                <a:srgbClr val="0000FF"/>
+                <a:schemeClr val="tx1"/>
               </a:solidFill>
               <a:effectLst/>
               <a:uLnTx/>
@@ -36577,7 +36534,7 @@
                   <a:noFill/>
                 </a:ln>
                 <a:solidFill>
-                  <a:srgbClr val="0000FF"/>
+                  <a:schemeClr val="tx1"/>
                 </a:solidFill>
                 <a:effectLst/>
                 <a:uLnTx/>
@@ -36586,7 +36543,7 @@
                 <a:ea typeface="微软雅黑" panose="020B0503020204020204" charset="-122"/>
                 <a:cs typeface="微软雅黑" panose="020B0503020204020204" charset="-122"/>
               </a:rPr>
-              <a:t>蓝田股份的农副水产品销售收入分析分析</a:t>
+              <a:t>蓝田股份的农副水产品销售收入分析</a:t>
             </a:r>
             <a:r>
               <a:rPr kumimoji="0" lang="en-US" altLang="zh-CN" sz="2000" b="0" i="0" u="none" strike="noStrike" kern="0" cap="none" spc="0" normalizeH="0" baseline="0" noProof="0" dirty="0">
@@ -36594,7 +36551,7 @@
                   <a:noFill/>
                 </a:ln>
                 <a:solidFill>
-                  <a:srgbClr val="0000FF"/>
+                  <a:schemeClr val="tx1"/>
                 </a:solidFill>
                 <a:effectLst/>
                 <a:uLnTx/>
@@ -36610,7 +36567,7 @@
                 <a:noFill/>
               </a:ln>
               <a:solidFill>
-                <a:srgbClr val="0000FF"/>
+                <a:schemeClr val="tx1"/>
               </a:solidFill>
               <a:effectLst/>
               <a:uLnTx/>
@@ -36645,7 +36602,7 @@
                   <a:noFill/>
                 </a:ln>
                 <a:solidFill>
-                  <a:srgbClr val="0000FF"/>
+                  <a:schemeClr val="tx1"/>
                 </a:solidFill>
                 <a:effectLst/>
                 <a:uLnTx/>
@@ -36662,7 +36619,7 @@
                   <a:noFill/>
                 </a:ln>
                 <a:solidFill>
-                  <a:srgbClr val="0000FF"/>
+                  <a:schemeClr val="tx1"/>
                 </a:solidFill>
                 <a:effectLst/>
                 <a:uLnTx/>
@@ -36679,7 +36636,7 @@
                   <a:noFill/>
                 </a:ln>
                 <a:solidFill>
-                  <a:srgbClr val="0000FF"/>
+                  <a:schemeClr val="tx1"/>
                 </a:solidFill>
                 <a:effectLst/>
                 <a:uLnTx/>
@@ -36696,7 +36653,7 @@
                   <a:noFill/>
                 </a:ln>
                 <a:solidFill>
-                  <a:srgbClr val="0000FF"/>
+                  <a:schemeClr val="tx1"/>
                 </a:solidFill>
                 <a:effectLst/>
                 <a:uLnTx/>
@@ -36713,7 +36670,7 @@
                   <a:noFill/>
                 </a:ln>
                 <a:solidFill>
-                  <a:srgbClr val="0000FF"/>
+                  <a:schemeClr val="tx1"/>
                 </a:solidFill>
                 <a:effectLst/>
                 <a:uLnTx/>
@@ -36730,7 +36687,7 @@
                   <a:noFill/>
                 </a:ln>
                 <a:solidFill>
-                  <a:srgbClr val="0000FF"/>
+                  <a:schemeClr val="tx1"/>
                 </a:solidFill>
                 <a:effectLst/>
                 <a:uLnTx/>
@@ -36747,7 +36704,7 @@
                   <a:noFill/>
                 </a:ln>
                 <a:solidFill>
-                  <a:srgbClr val="0000FF"/>
+                  <a:schemeClr val="tx1"/>
                 </a:solidFill>
                 <a:effectLst/>
                 <a:uLnTx/>
@@ -36764,7 +36721,7 @@
                   <a:noFill/>
                 </a:ln>
                 <a:solidFill>
-                  <a:srgbClr val="0000FF"/>
+                  <a:schemeClr val="tx1"/>
                 </a:solidFill>
                 <a:effectLst/>
                 <a:uLnTx/>
@@ -36781,7 +36738,7 @@
                   <a:noFill/>
                 </a:ln>
                 <a:solidFill>
-                  <a:srgbClr val="0000FF"/>
+                  <a:schemeClr val="tx1"/>
                 </a:solidFill>
                 <a:effectLst/>
                 <a:uLnTx/>
@@ -36798,7 +36755,7 @@
                   <a:noFill/>
                 </a:ln>
                 <a:solidFill>
-                  <a:srgbClr val="0000FF"/>
+                  <a:schemeClr val="tx1"/>
                 </a:solidFill>
                 <a:effectLst/>
                 <a:uLnTx/>
@@ -36815,7 +36772,7 @@
                   <a:noFill/>
                 </a:ln>
                 <a:solidFill>
-                  <a:srgbClr val="0000FF"/>
+                  <a:schemeClr val="tx1"/>
                 </a:solidFill>
                 <a:effectLst/>
                 <a:uLnTx/>
@@ -36824,48 +36781,14 @@
                 <a:ea typeface="微软雅黑" panose="020B0503020204020204" charset="-122"/>
                 <a:cs typeface="微软雅黑" panose="020B0503020204020204" charset="-122"/>
               </a:rPr>
-              <a:t>。水产品差异性很小，人们不会只喜欢洪湖里的鱼，而不喜欢武昌鱼或洞庭湖里的鱼，</a:t>
-            </a:r>
-            <a:r>
-              <a:rPr kumimoji="0" lang="zh-CN" altLang="zh-CN" sz="2000" b="0" i="0" u="none" strike="noStrike" kern="0" cap="none" spc="0" normalizeH="0" baseline="0" noProof="0" dirty="0">
-                <a:ln>
-                  <a:noFill/>
-                </a:ln>
-                <a:solidFill>
-                  <a:srgbClr val="FF0000"/>
-                </a:solidFill>
-                <a:effectLst/>
-                <a:uLnTx/>
-                <a:uFillTx/>
-                <a:latin typeface="微软雅黑" panose="020B0503020204020204" charset="-122"/>
-                <a:ea typeface="微软雅黑" panose="020B0503020204020204" charset="-122"/>
-                <a:cs typeface="微软雅黑" panose="020B0503020204020204" charset="-122"/>
-              </a:rPr>
-              <a:t>蓝田股份采取“钱货两清”的方式不能支持其水产品收入异常高于同业</a:t>
-            </a:r>
-            <a:r>
-              <a:rPr kumimoji="0" lang="zh-CN" altLang="zh-CN" sz="2000" b="0" i="0" u="none" strike="noStrike" kern="0" cap="none" spc="0" normalizeH="0" baseline="0" noProof="0" dirty="0">
-                <a:ln>
-                  <a:noFill/>
-                </a:ln>
-                <a:solidFill>
-                  <a:srgbClr val="0000FF"/>
-                </a:solidFill>
-                <a:effectLst/>
-                <a:uLnTx/>
-                <a:uFillTx/>
-                <a:latin typeface="微软雅黑" panose="020B0503020204020204" charset="-122"/>
-                <a:ea typeface="微软雅黑" panose="020B0503020204020204" charset="-122"/>
-                <a:cs typeface="微软雅黑" panose="020B0503020204020204" charset="-122"/>
-              </a:rPr>
-              <a:t>；</a:t>
+              <a:t>。水产品差异性很小，人们不会只喜欢洪湖里的鱼，而不喜欢武昌鱼或洞庭湖里的鱼，蓝田股份采取“钱货两清”的方式不能支持其水产品收入异常高于同业；</a:t>
             </a:r>
             <a:endParaRPr kumimoji="0" lang="zh-CN" altLang="zh-CN" sz="2000" b="0" i="0" u="none" strike="noStrike" kern="0" cap="none" spc="0" normalizeH="0" baseline="0" noProof="0" dirty="0">
               <a:ln>
                 <a:noFill/>
               </a:ln>
               <a:solidFill>
-                <a:srgbClr val="0000FF"/>
+                <a:schemeClr val="tx1"/>
               </a:solidFill>
               <a:effectLst/>
               <a:uLnTx/>
@@ -36900,7 +36823,7 @@
                   <a:noFill/>
                 </a:ln>
                 <a:solidFill>
-                  <a:srgbClr val="0000FF"/>
+                  <a:schemeClr val="tx1"/>
                 </a:solidFill>
                 <a:effectLst/>
                 <a:uLnTx/>
@@ -36909,41 +36832,7 @@
                 <a:ea typeface="微软雅黑" panose="020B0503020204020204" charset="-122"/>
                 <a:cs typeface="微软雅黑" panose="020B0503020204020204" charset="-122"/>
               </a:rPr>
-              <a:t>如果蓝田股份每年在水产品基地有巨额水产品销售的现金，则商业银行</a:t>
-            </a:r>
-            <a:r>
-              <a:rPr kumimoji="0" lang="zh-CN" altLang="zh-CN" sz="2000" b="0" i="0" u="none" strike="noStrike" kern="0" cap="none" spc="0" normalizeH="0" baseline="0" noProof="0" dirty="0">
-                <a:ln>
-                  <a:noFill/>
-                </a:ln>
-                <a:solidFill>
-                  <a:srgbClr val="FF0000"/>
-                </a:solidFill>
-                <a:effectLst/>
-                <a:uLnTx/>
-                <a:uFillTx/>
-                <a:latin typeface="微软雅黑" panose="020B0503020204020204" charset="-122"/>
-                <a:ea typeface="微软雅黑" panose="020B0503020204020204" charset="-122"/>
-                <a:cs typeface="微软雅黑" panose="020B0503020204020204" charset="-122"/>
-              </a:rPr>
-              <a:t>会争先恐后的在其水产品基地设立分支机构，促进个体户与蓝田股份的交易，但事实上，商业银行未在其生产基地设立分支机构</a:t>
-            </a:r>
-            <a:r>
-              <a:rPr kumimoji="0" lang="zh-CN" altLang="zh-CN" sz="2000" b="0" i="0" u="none" strike="noStrike" kern="0" cap="none" spc="0" normalizeH="0" baseline="0" noProof="0" dirty="0">
-                <a:ln>
-                  <a:noFill/>
-                </a:ln>
-                <a:solidFill>
-                  <a:srgbClr val="0000FF"/>
-                </a:solidFill>
-                <a:effectLst/>
-                <a:uLnTx/>
-                <a:uFillTx/>
-                <a:latin typeface="微软雅黑" panose="020B0503020204020204" charset="-122"/>
-                <a:ea typeface="微软雅黑" panose="020B0503020204020204" charset="-122"/>
-                <a:cs typeface="微软雅黑" panose="020B0503020204020204" charset="-122"/>
-              </a:rPr>
-              <a:t>。</a:t>
+              <a:t>如果蓝田股份每年在水产品基地有巨额水产品销售的现金，则商业银行会争先恐后的在其水产品基地设立分支机构，促进个体户与蓝田股份的交易，但事实上，商业银行未在其生产基地设立分支机构。</a:t>
             </a:r>
             <a:r>
               <a:rPr kumimoji="0" lang="en-US" altLang="zh-CN" sz="2000" b="0" i="0" u="none" strike="noStrike" kern="0" cap="none" spc="0" normalizeH="0" baseline="0" noProof="0" dirty="0">
@@ -36951,7 +36840,7 @@
                   <a:noFill/>
                 </a:ln>
                 <a:solidFill>
-                  <a:srgbClr val="0000FF"/>
+                  <a:schemeClr val="tx1"/>
                 </a:solidFill>
                 <a:effectLst/>
                 <a:uLnTx/>
@@ -36967,7 +36856,7 @@
                 <a:noFill/>
               </a:ln>
               <a:solidFill>
-                <a:srgbClr val="0000FF"/>
+                <a:schemeClr val="tx1"/>
               </a:solidFill>
               <a:effectLst/>
               <a:uLnTx/>
@@ -37002,7 +36891,7 @@
                   <a:noFill/>
                 </a:ln>
                 <a:solidFill>
-                  <a:srgbClr val="0000FF"/>
+                  <a:schemeClr val="tx1"/>
                 </a:solidFill>
                 <a:effectLst/>
                 <a:uLnTx/>
@@ -37011,48 +36900,14 @@
                 <a:ea typeface="微软雅黑" panose="020B0503020204020204" charset="-122"/>
                 <a:cs typeface="微软雅黑" panose="020B0503020204020204" charset="-122"/>
               </a:rPr>
-              <a:t>结论：</a:t>
-            </a:r>
-            <a:r>
-              <a:rPr kumimoji="0" lang="zh-CN" altLang="zh-CN" sz="2000" b="0" i="0" u="none" strike="noStrike" kern="0" cap="none" spc="0" normalizeH="0" baseline="0" noProof="0" dirty="0">
-                <a:ln>
-                  <a:noFill/>
-                </a:ln>
-                <a:solidFill>
-                  <a:srgbClr val="FF0000"/>
-                </a:solidFill>
-                <a:effectLst/>
-                <a:uLnTx/>
-                <a:uFillTx/>
-                <a:latin typeface="微软雅黑" panose="020B0503020204020204" charset="-122"/>
-                <a:ea typeface="微软雅黑" panose="020B0503020204020204" charset="-122"/>
-                <a:cs typeface="微软雅黑" panose="020B0503020204020204" charset="-122"/>
-              </a:rPr>
-              <a:t>蓝田股份水产品收入数据是虚假的</a:t>
-            </a:r>
-            <a:r>
-              <a:rPr kumimoji="0" lang="zh-CN" altLang="zh-CN" sz="2000" b="0" i="0" u="none" strike="noStrike" kern="0" cap="none" spc="0" normalizeH="0" baseline="0" noProof="0" dirty="0">
-                <a:ln>
-                  <a:noFill/>
-                </a:ln>
-                <a:solidFill>
-                  <a:srgbClr val="0000FF"/>
-                </a:solidFill>
-                <a:effectLst/>
-                <a:uLnTx/>
-                <a:uFillTx/>
-                <a:latin typeface="微软雅黑" panose="020B0503020204020204" charset="-122"/>
-                <a:ea typeface="微软雅黑" panose="020B0503020204020204" charset="-122"/>
-                <a:cs typeface="微软雅黑" panose="020B0503020204020204" charset="-122"/>
-              </a:rPr>
-              <a:t>。</a:t>
+              <a:t>结论：蓝田股份水产品收入数据是虚假的。</a:t>
             </a:r>
             <a:endParaRPr kumimoji="0" lang="zh-CN" altLang="zh-CN" sz="2000" b="0" i="0" u="none" strike="noStrike" kern="0" cap="none" spc="0" normalizeH="0" baseline="0" noProof="0" dirty="0">
               <a:ln>
                 <a:noFill/>
               </a:ln>
               <a:solidFill>
-                <a:srgbClr val="0000FF"/>
+                <a:schemeClr val="tx1"/>
               </a:solidFill>
               <a:effectLst/>
               <a:uLnTx/>
@@ -38310,7 +38165,7 @@
                   <a:noFill/>
                 </a:ln>
                 <a:solidFill>
-                  <a:srgbClr val="FF0000"/>
+                  <a:srgbClr val="00B0F0"/>
                 </a:solidFill>
                 <a:effectLst/>
                 <a:uLnTx/>
@@ -38327,6 +38182,23 @@
                   <a:noFill/>
                 </a:ln>
                 <a:solidFill>
+                  <a:srgbClr val="00B0F0"/>
+                </a:solidFill>
+                <a:effectLst/>
+                <a:uLnTx/>
+                <a:uFillTx/>
+                <a:latin typeface="微软雅黑" panose="020B0503020204020204" charset="-122"/>
+                <a:ea typeface="微软雅黑" panose="020B0503020204020204" charset="-122"/>
+                <a:cs typeface="微软雅黑" panose="020B0503020204020204" charset="-122"/>
+              </a:rPr>
+              <a:t>、客户申请</a:t>
+            </a:r>
+            <a:r>
+              <a:rPr kumimoji="0" lang="zh-CN" altLang="en-US" sz="2000" b="1" i="0" u="none" strike="noStrike" kern="0" cap="none" spc="0" normalizeH="0" baseline="0" noProof="0" dirty="0">
+                <a:ln>
+                  <a:noFill/>
+                </a:ln>
+                <a:solidFill>
                   <a:srgbClr val="FF0000"/>
                 </a:solidFill>
                 <a:effectLst/>
@@ -38336,7 +38208,7 @@
                 <a:ea typeface="微软雅黑" panose="020B0503020204020204" charset="-122"/>
                 <a:cs typeface="微软雅黑" panose="020B0503020204020204" charset="-122"/>
               </a:rPr>
-              <a:t>、客户申请：</a:t>
+              <a:t>：</a:t>
             </a:r>
             <a:r>
               <a:rPr kumimoji="0" lang="zh-CN" altLang="en-US" sz="2000" b="0" i="0" u="none" strike="noStrike" kern="0" cap="none" spc="0" normalizeH="0" baseline="0" noProof="0" dirty="0">
